--- a/docs/结构图.pptx
+++ b/docs/结构图.pptx
@@ -289,7 +289,7 @@
             <a:fld id="{530820CF-B880-4189-942D-D702A7CBA730}" type="datetimeFigureOut">
               <a:rPr lang="zh-CN" altLang="en-US" smtClean="0"/>
               <a:pPr/>
-              <a:t>2021/10/11 Monday</a:t>
+              <a:t>2021/10/16 Saturday</a:t>
             </a:fld>
             <a:endParaRPr lang="zh-CN" altLang="en-US"/>
           </a:p>
@@ -456,7 +456,7 @@
             <a:fld id="{530820CF-B880-4189-942D-D702A7CBA730}" type="datetimeFigureOut">
               <a:rPr lang="zh-CN" altLang="en-US" smtClean="0"/>
               <a:pPr/>
-              <a:t>2021/10/11 Monday</a:t>
+              <a:t>2021/10/16 Saturday</a:t>
             </a:fld>
             <a:endParaRPr lang="zh-CN" altLang="en-US"/>
           </a:p>
@@ -633,7 +633,7 @@
             <a:fld id="{530820CF-B880-4189-942D-D702A7CBA730}" type="datetimeFigureOut">
               <a:rPr lang="zh-CN" altLang="en-US" smtClean="0"/>
               <a:pPr/>
-              <a:t>2021/10/11 Monday</a:t>
+              <a:t>2021/10/16 Saturday</a:t>
             </a:fld>
             <a:endParaRPr lang="zh-CN" altLang="en-US"/>
           </a:p>
@@ -800,7 +800,7 @@
             <a:fld id="{530820CF-B880-4189-942D-D702A7CBA730}" type="datetimeFigureOut">
               <a:rPr lang="zh-CN" altLang="en-US" smtClean="0"/>
               <a:pPr/>
-              <a:t>2021/10/11 Monday</a:t>
+              <a:t>2021/10/16 Saturday</a:t>
             </a:fld>
             <a:endParaRPr lang="zh-CN" altLang="en-US"/>
           </a:p>
@@ -1043,7 +1043,7 @@
             <a:fld id="{530820CF-B880-4189-942D-D702A7CBA730}" type="datetimeFigureOut">
               <a:rPr lang="zh-CN" altLang="en-US" smtClean="0"/>
               <a:pPr/>
-              <a:t>2021/10/11 Monday</a:t>
+              <a:t>2021/10/16 Saturday</a:t>
             </a:fld>
             <a:endParaRPr lang="zh-CN" altLang="en-US"/>
           </a:p>
@@ -1328,7 +1328,7 @@
             <a:fld id="{530820CF-B880-4189-942D-D702A7CBA730}" type="datetimeFigureOut">
               <a:rPr lang="zh-CN" altLang="en-US" smtClean="0"/>
               <a:pPr/>
-              <a:t>2021/10/11 Monday</a:t>
+              <a:t>2021/10/16 Saturday</a:t>
             </a:fld>
             <a:endParaRPr lang="zh-CN" altLang="en-US"/>
           </a:p>
@@ -1747,7 +1747,7 @@
             <a:fld id="{530820CF-B880-4189-942D-D702A7CBA730}" type="datetimeFigureOut">
               <a:rPr lang="zh-CN" altLang="en-US" smtClean="0"/>
               <a:pPr/>
-              <a:t>2021/10/11 Monday</a:t>
+              <a:t>2021/10/16 Saturday</a:t>
             </a:fld>
             <a:endParaRPr lang="zh-CN" altLang="en-US"/>
           </a:p>
@@ -1862,7 +1862,7 @@
             <a:fld id="{530820CF-B880-4189-942D-D702A7CBA730}" type="datetimeFigureOut">
               <a:rPr lang="zh-CN" altLang="en-US" smtClean="0"/>
               <a:pPr/>
-              <a:t>2021/10/11 Monday</a:t>
+              <a:t>2021/10/16 Saturday</a:t>
             </a:fld>
             <a:endParaRPr lang="zh-CN" altLang="en-US"/>
           </a:p>
@@ -1954,7 +1954,7 @@
             <a:fld id="{530820CF-B880-4189-942D-D702A7CBA730}" type="datetimeFigureOut">
               <a:rPr lang="zh-CN" altLang="en-US" smtClean="0"/>
               <a:pPr/>
-              <a:t>2021/10/11 Monday</a:t>
+              <a:t>2021/10/16 Saturday</a:t>
             </a:fld>
             <a:endParaRPr lang="zh-CN" altLang="en-US"/>
           </a:p>
@@ -2228,7 +2228,7 @@
             <a:fld id="{530820CF-B880-4189-942D-D702A7CBA730}" type="datetimeFigureOut">
               <a:rPr lang="zh-CN" altLang="en-US" smtClean="0"/>
               <a:pPr/>
-              <a:t>2021/10/11 Monday</a:t>
+              <a:t>2021/10/16 Saturday</a:t>
             </a:fld>
             <a:endParaRPr lang="zh-CN" altLang="en-US"/>
           </a:p>
@@ -2478,7 +2478,7 @@
             <a:fld id="{530820CF-B880-4189-942D-D702A7CBA730}" type="datetimeFigureOut">
               <a:rPr lang="zh-CN" altLang="en-US" smtClean="0"/>
               <a:pPr/>
-              <a:t>2021/10/11 Monday</a:t>
+              <a:t>2021/10/16 Saturday</a:t>
             </a:fld>
             <a:endParaRPr lang="zh-CN" altLang="en-US"/>
           </a:p>
@@ -2688,7 +2688,7 @@
             <a:fld id="{530820CF-B880-4189-942D-D702A7CBA730}" type="datetimeFigureOut">
               <a:rPr lang="zh-CN" altLang="en-US" smtClean="0"/>
               <a:pPr/>
-              <a:t>2021/10/11 Monday</a:t>
+              <a:t>2021/10/16 Saturday</a:t>
             </a:fld>
             <a:endParaRPr lang="zh-CN" altLang="en-US"/>
           </a:p>
@@ -4133,6 +4133,72 @@
           </p:txBody>
         </p:sp>
       </p:grpSp>
+      <p:sp>
+        <p:nvSpPr>
+          <p:cNvPr id="34" name="TextBox 33"/>
+          <p:cNvSpPr txBox="1"/>
+          <p:nvPr/>
+        </p:nvSpPr>
+        <p:spPr>
+          <a:xfrm>
+            <a:off x="1928794" y="2083553"/>
+            <a:ext cx="1107996" cy="369332"/>
+          </a:xfrm>
+          <a:prstGeom prst="rect">
+            <a:avLst/>
+          </a:prstGeom>
+          <a:noFill/>
+        </p:spPr>
+        <p:txBody>
+          <a:bodyPr wrap="none" rtlCol="0">
+            <a:spAutoFit/>
+          </a:bodyPr>
+          <a:lstStyle/>
+          <a:p>
+            <a:pPr algn="ctr"/>
+            <a:r>
+              <a:rPr lang="zh-CN" altLang="en-US" dirty="0" smtClean="0"/>
+              <a:t>仅有一个</a:t>
+            </a:r>
+            <a:endParaRPr lang="zh-CN" altLang="en-US" dirty="0"/>
+          </a:p>
+        </p:txBody>
+      </p:sp>
+      <p:sp>
+        <p:nvSpPr>
+          <p:cNvPr id="35" name="TextBox 34"/>
+          <p:cNvSpPr txBox="1"/>
+          <p:nvPr/>
+        </p:nvSpPr>
+        <p:spPr>
+          <a:xfrm>
+            <a:off x="1857356" y="4143380"/>
+            <a:ext cx="1225015" cy="369332"/>
+          </a:xfrm>
+          <a:prstGeom prst="rect">
+            <a:avLst/>
+          </a:prstGeom>
+          <a:noFill/>
+        </p:spPr>
+        <p:txBody>
+          <a:bodyPr wrap="none" rtlCol="0">
+            <a:spAutoFit/>
+          </a:bodyPr>
+          <a:lstStyle/>
+          <a:p>
+            <a:pPr algn="ctr"/>
+            <a:r>
+              <a:rPr lang="en-US" altLang="zh-CN" dirty="0" smtClean="0"/>
+              <a:t>0</a:t>
+            </a:r>
+            <a:r>
+              <a:rPr lang="zh-CN" altLang="en-US" dirty="0" smtClean="0"/>
+              <a:t>个或多个</a:t>
+            </a:r>
+            <a:endParaRPr lang="zh-CN" altLang="en-US" dirty="0"/>
+          </a:p>
+        </p:txBody>
+      </p:sp>
     </p:spTree>
   </p:cSld>
   <p:clrMapOvr>

--- a/docs/结构图.pptx
+++ b/docs/结构图.pptx
@@ -3771,7 +3771,7 @@
                 <a:pPr algn="ctr"/>
                 <a:r>
                   <a:rPr lang="zh-CN" altLang="en-US" b="1" dirty="0" smtClean="0"/>
-                  <a:t>用户</a:t>
+                  <a:t>视图</a:t>
                 </a:r>
                 <a:endParaRPr lang="zh-CN" altLang="en-US" b="1" dirty="0"/>
               </a:p>
@@ -3815,7 +3815,7 @@
                 <a:pPr algn="ctr"/>
                 <a:r>
                   <a:rPr lang="zh-CN" altLang="en-US" b="1" dirty="0" smtClean="0"/>
-                  <a:t>用户</a:t>
+                  <a:t>视图</a:t>
                 </a:r>
                 <a:endParaRPr lang="zh-CN" altLang="en-US" b="1" dirty="0"/>
               </a:p>
@@ -3859,7 +3859,7 @@
                 <a:pPr algn="ctr"/>
                 <a:r>
                   <a:rPr lang="zh-CN" altLang="en-US" b="1" dirty="0" smtClean="0"/>
-                  <a:t>用户</a:t>
+                  <a:t>视图</a:t>
                 </a:r>
                 <a:endParaRPr lang="zh-CN" altLang="en-US" b="1" dirty="0"/>
               </a:p>
